--- a/präsentationen/eDSL Rust.pptx
+++ b/präsentationen/eDSL Rust.pptx
@@ -227,7 +227,7 @@
           <a:p>
             <a:fld id="{6C8053C9-FFF5-7449-925F-C9AD9BA59DE2}" type="datetimeFigureOut">
               <a:rPr lang="de-DE" smtClean="0"/>
-              <a:t>01.04.25</a:t>
+              <a:t>11.05.25</a:t>
             </a:fld>
             <a:endParaRPr lang="de-DE"/>
           </a:p>
@@ -408,7 +408,7 @@
           <a:p>
             <a:fld id="{57CD6ED8-B3F3-4015-AC00-98BFE08396E9}" type="datetimeFigureOut">
               <a:rPr lang="de-DE" smtClean="0"/>
-              <a:t>01.04.25</a:t>
+              <a:t>11.05.25</a:t>
             </a:fld>
             <a:endParaRPr lang="de-DE"/>
           </a:p>
@@ -723,245 +723,7 @@
           <a:bodyPr/>
           <a:lstStyle/>
           <a:p>
-            <a:pPr algn="l"/>
-            <a:r>
-              <a:rPr lang="de-DE" b="0" i="0" dirty="0">
-                <a:solidFill>
-                  <a:srgbClr val="F8FAFF"/>
-                </a:solidFill>
-                <a:effectLst/>
-                <a:latin typeface="DeepSeek-CJK-patch"/>
-              </a:rPr>
-              <a:t>Domain </a:t>
-            </a:r>
-            <a:r>
-              <a:rPr lang="de-DE" b="0" i="0" dirty="0" err="1">
-                <a:solidFill>
-                  <a:srgbClr val="F8FAFF"/>
-                </a:solidFill>
-                <a:effectLst/>
-                <a:latin typeface="DeepSeek-CJK-patch"/>
-              </a:rPr>
-              <a:t>Specific</a:t>
-            </a:r>
-            <a:r>
-              <a:rPr lang="de-DE" b="0" i="0" dirty="0">
-                <a:solidFill>
-                  <a:srgbClr val="F8FAFF"/>
-                </a:solidFill>
-                <a:effectLst/>
-                <a:latin typeface="DeepSeek-CJK-patch"/>
-              </a:rPr>
-              <a:t> </a:t>
-            </a:r>
-            <a:r>
-              <a:rPr lang="de-DE" b="0" i="0" dirty="0" err="1">
-                <a:solidFill>
-                  <a:srgbClr val="F8FAFF"/>
-                </a:solidFill>
-                <a:effectLst/>
-                <a:latin typeface="DeepSeek-CJK-patch"/>
-              </a:rPr>
-              <a:t>Languages</a:t>
-            </a:r>
-            <a:r>
-              <a:rPr lang="de-DE" b="0" i="0" dirty="0">
-                <a:solidFill>
-                  <a:srgbClr val="F8FAFF"/>
-                </a:solidFill>
-                <a:effectLst/>
-                <a:latin typeface="DeepSeek-CJK-patch"/>
-              </a:rPr>
-              <a:t> sind spezialisierte Sprachen für bestimmte Probleme.</a:t>
-            </a:r>
-          </a:p>
-          <a:p>
-            <a:pPr algn="l"/>
-            <a:r>
-              <a:rPr lang="de-DE" b="0" i="0" dirty="0">
-                <a:solidFill>
-                  <a:srgbClr val="F8FAFF"/>
-                </a:solidFill>
-                <a:effectLst/>
-                <a:latin typeface="DeepSeek-CJK-patch"/>
-              </a:rPr>
-              <a:t>Embedded DSLs werden in einer Host-Sprache wie Rust implementiert.</a:t>
-            </a:r>
-          </a:p>
-          <a:p>
-            <a:pPr algn="l"/>
-            <a:endParaRPr lang="de-DE" b="0" i="0" dirty="0">
-              <a:solidFill>
-                <a:srgbClr val="F8FAFF"/>
-              </a:solidFill>
-              <a:effectLst/>
-              <a:latin typeface="DeepSeek-CJK-patch"/>
-            </a:endParaRPr>
-          </a:p>
-          <a:p>
-            <a:pPr algn="l"/>
-            <a:r>
-              <a:rPr lang="de-DE" b="0" i="0" dirty="0">
-                <a:solidFill>
-                  <a:srgbClr val="F8FAFF"/>
-                </a:solidFill>
-                <a:effectLst/>
-                <a:latin typeface="DeepSeek-CJK-patch"/>
-              </a:rPr>
-              <a:t>Sie bieten:</a:t>
-            </a:r>
-          </a:p>
-          <a:p>
-            <a:pPr algn="l">
-              <a:buFont typeface="Arial" panose="020B0604020202020204" pitchFamily="34" charset="0"/>
-              <a:buChar char="•"/>
-            </a:pPr>
-            <a:r>
-              <a:rPr lang="de-DE" b="0" i="0" dirty="0">
-                <a:solidFill>
-                  <a:srgbClr val="F8FAFF"/>
-                </a:solidFill>
-                <a:effectLst/>
-                <a:latin typeface="DeepSeek-CJK-patch"/>
-              </a:rPr>
-              <a:t>Natürlichere Syntax</a:t>
-            </a:r>
-          </a:p>
-          <a:p>
-            <a:pPr algn="l">
-              <a:buFont typeface="Arial" panose="020B0604020202020204" pitchFamily="34" charset="0"/>
-              <a:buChar char="•"/>
-            </a:pPr>
-            <a:r>
-              <a:rPr lang="de-DE" b="0" i="0" dirty="0">
-                <a:solidFill>
-                  <a:srgbClr val="F8FAFF"/>
-                </a:solidFill>
-                <a:effectLst/>
-                <a:latin typeface="DeepSeek-CJK-patch"/>
-              </a:rPr>
-              <a:t>Typsicherheit durch das Rust-Typsystem</a:t>
-            </a:r>
-          </a:p>
-          <a:p>
-            <a:pPr algn="l">
-              <a:spcBef>
-                <a:spcPts val="300"/>
-              </a:spcBef>
-              <a:buFont typeface="Arial" panose="020B0604020202020204" pitchFamily="34" charset="0"/>
-              <a:buChar char="•"/>
-            </a:pPr>
-            <a:r>
-              <a:rPr lang="de-DE" b="0" i="0" dirty="0">
-                <a:solidFill>
-                  <a:srgbClr val="F8FAFF"/>
-                </a:solidFill>
-                <a:effectLst/>
-                <a:latin typeface="DeepSeek-CJK-patch"/>
-              </a:rPr>
-              <a:t>Kompilierzeit-Überprüfungen</a:t>
-            </a:r>
-          </a:p>
-          <a:p>
-            <a:pPr algn="l">
-              <a:spcBef>
-                <a:spcPts val="300"/>
-              </a:spcBef>
-              <a:buFont typeface="Arial" panose="020B0604020202020204" pitchFamily="34" charset="0"/>
-              <a:buChar char="•"/>
-            </a:pPr>
-            <a:endParaRPr lang="de-DE" b="0" i="0" dirty="0">
-              <a:solidFill>
-                <a:srgbClr val="F8FAFF"/>
-              </a:solidFill>
-              <a:effectLst/>
-              <a:latin typeface="DeepSeek-CJK-patch"/>
-            </a:endParaRPr>
-          </a:p>
-          <a:p>
-            <a:pPr marL="0" indent="0">
-              <a:buNone/>
-            </a:pPr>
-            <a:r>
-              <a:rPr lang="de-DE" sz="1200" dirty="0"/>
-              <a:t>Wofür?</a:t>
-            </a:r>
-          </a:p>
-          <a:p>
-            <a:pPr>
-              <a:buFontTx/>
-              <a:buChar char="-"/>
-            </a:pPr>
-            <a:r>
-              <a:rPr lang="de-DE" sz="1200" b="0" i="0" dirty="0">
-                <a:effectLst/>
-                <a:latin typeface="72" panose="020B0503030000000003" pitchFamily="34" charset="0"/>
-              </a:rPr>
-              <a:t>Verbesserung der Produktivität</a:t>
-            </a:r>
-          </a:p>
-          <a:p>
-            <a:pPr>
-              <a:buFontTx/>
-              <a:buChar char="-"/>
-            </a:pPr>
-            <a:r>
-              <a:rPr lang="de-DE" sz="1200" b="0" i="0" dirty="0">
-                <a:effectLst/>
-                <a:latin typeface="72" panose="020B0503030000000003" pitchFamily="34" charset="0"/>
-              </a:rPr>
-              <a:t>Vereinfachung der Syntax und Semantik</a:t>
-            </a:r>
-          </a:p>
-          <a:p>
-            <a:pPr marL="0" indent="0">
-              <a:buNone/>
-            </a:pPr>
-            <a:r>
-              <a:rPr lang="de-DE" sz="1200" dirty="0"/>
-              <a:t>-Ermöglicht </a:t>
-            </a:r>
-            <a:r>
-              <a:rPr lang="de-DE" dirty="0"/>
-              <a:t>B</a:t>
-            </a:r>
-            <a:r>
-              <a:rPr lang="de-DE" sz="1200" dirty="0"/>
-              <a:t>enutzern mit einfachen Befehlen, eigenen Code zu schreiben</a:t>
-            </a:r>
-          </a:p>
-          <a:p>
-            <a:pPr algn="l">
-              <a:spcBef>
-                <a:spcPts val="300"/>
-              </a:spcBef>
-              <a:buFont typeface="Arial" panose="020B0604020202020204" pitchFamily="34" charset="0"/>
-              <a:buChar char="•"/>
-            </a:pPr>
-            <a:endParaRPr lang="de-DE" b="0" i="0" dirty="0">
-              <a:solidFill>
-                <a:srgbClr val="F8FAFF"/>
-              </a:solidFill>
-              <a:effectLst/>
-              <a:latin typeface="DeepSeek-CJK-patch"/>
-            </a:endParaRPr>
-          </a:p>
-          <a:p>
             <a:endParaRPr lang="de-DE" dirty="0"/>
-          </a:p>
-          <a:p>
-            <a:r>
-              <a:rPr lang="de-DE" dirty="0"/>
-              <a:t>In Rust setzen wir eine </a:t>
-            </a:r>
-            <a:r>
-              <a:rPr lang="de-DE" dirty="0" err="1"/>
-              <a:t>eDSL</a:t>
-            </a:r>
-            <a:r>
-              <a:rPr lang="de-DE" dirty="0"/>
-              <a:t> durch Makros um.</a:t>
-            </a:r>
           </a:p>
         </p:txBody>
       </p:sp>
@@ -982,7 +744,7 @@
           <a:p>
             <a:fld id="{CA09BE9E-D056-4AE8-8009-0D53EB59714E}" type="slidenum">
               <a:rPr lang="de-DE" smtClean="0"/>
-              <a:t>2</a:t>
+              <a:t>0</a:t>
             </a:fld>
             <a:endParaRPr lang="de-DE"/>
           </a:p>
@@ -991,7 +753,7 @@
     </p:spTree>
     <p:extLst>
       <p:ext uri="{BB962C8B-B14F-4D97-AF65-F5344CB8AC3E}">
-        <p14:creationId xmlns:p14="http://schemas.microsoft.com/office/powerpoint/2010/main" val="3024245309"/>
+        <p14:creationId xmlns:p14="http://schemas.microsoft.com/office/powerpoint/2010/main" val="2422854304"/>
       </p:ext>
     </p:extLst>
   </p:cSld>
@@ -1002,6 +764,114 @@
 </file>
 
 <file path=ppt/notesSlides/notesSlide10.xml><?xml version="1.0" encoding="utf-8"?>
+<p:notes xmlns:a="http://schemas.openxmlformats.org/drawingml/2006/main" xmlns:r="http://schemas.openxmlformats.org/officeDocument/2006/relationships" xmlns:p="http://schemas.openxmlformats.org/presentationml/2006/main">
+  <p:cSld>
+    <p:spTree>
+      <p:nvGrpSpPr>
+        <p:cNvPr id="1" name="">
+          <a:extLst>
+            <a:ext uri="{FF2B5EF4-FFF2-40B4-BE49-F238E27FC236}">
+              <a16:creationId xmlns:a16="http://schemas.microsoft.com/office/drawing/2014/main" id="{FC25D583-B9FB-8BA9-A038-4741801ECF51}"/>
+            </a:ext>
+          </a:extLst>
+        </p:cNvPr>
+        <p:cNvGrpSpPr/>
+        <p:nvPr/>
+      </p:nvGrpSpPr>
+      <p:grpSpPr>
+        <a:xfrm>
+          <a:off x="0" y="0"/>
+          <a:ext cx="0" cy="0"/>
+          <a:chOff x="0" y="0"/>
+          <a:chExt cx="0" cy="0"/>
+        </a:xfrm>
+      </p:grpSpPr>
+      <p:sp>
+        <p:nvSpPr>
+          <p:cNvPr id="2" name="Folienbildplatzhalter 1">
+            <a:extLst>
+              <a:ext uri="{FF2B5EF4-FFF2-40B4-BE49-F238E27FC236}">
+                <a16:creationId xmlns:a16="http://schemas.microsoft.com/office/drawing/2014/main" id="{0A31BC34-FA40-2374-EC69-FA6641D51999}"/>
+              </a:ext>
+            </a:extLst>
+          </p:cNvPr>
+          <p:cNvSpPr>
+            <a:spLocks noGrp="1" noRot="1" noChangeAspect="1"/>
+          </p:cNvSpPr>
+          <p:nvPr>
+            <p:ph type="sldImg"/>
+          </p:nvPr>
+        </p:nvSpPr>
+        <p:spPr/>
+      </p:sp>
+      <p:sp>
+        <p:nvSpPr>
+          <p:cNvPr id="3" name="Notizenplatzhalter 2">
+            <a:extLst>
+              <a:ext uri="{FF2B5EF4-FFF2-40B4-BE49-F238E27FC236}">
+                <a16:creationId xmlns:a16="http://schemas.microsoft.com/office/drawing/2014/main" id="{D2A646AB-6B83-F62E-1791-FFC84FD0B724}"/>
+              </a:ext>
+            </a:extLst>
+          </p:cNvPr>
+          <p:cNvSpPr>
+            <a:spLocks noGrp="1"/>
+          </p:cNvSpPr>
+          <p:nvPr>
+            <p:ph type="body" idx="1"/>
+          </p:nvPr>
+        </p:nvSpPr>
+        <p:spPr/>
+        <p:txBody>
+          <a:bodyPr/>
+          <a:lstStyle/>
+          <a:p>
+            <a:endParaRPr lang="de-DE" dirty="0"/>
+          </a:p>
+        </p:txBody>
+      </p:sp>
+      <p:sp>
+        <p:nvSpPr>
+          <p:cNvPr id="4" name="Foliennummernplatzhalter 3">
+            <a:extLst>
+              <a:ext uri="{FF2B5EF4-FFF2-40B4-BE49-F238E27FC236}">
+                <a16:creationId xmlns:a16="http://schemas.microsoft.com/office/drawing/2014/main" id="{5F4445B7-F163-A5D1-53B6-65602F08711C}"/>
+              </a:ext>
+            </a:extLst>
+          </p:cNvPr>
+          <p:cNvSpPr>
+            <a:spLocks noGrp="1"/>
+          </p:cNvSpPr>
+          <p:nvPr>
+            <p:ph type="sldNum" sz="quarter" idx="5"/>
+          </p:nvPr>
+        </p:nvSpPr>
+        <p:spPr/>
+        <p:txBody>
+          <a:bodyPr/>
+          <a:lstStyle/>
+          <a:p>
+            <a:fld id="{CA09BE9E-D056-4AE8-8009-0D53EB59714E}" type="slidenum">
+              <a:rPr lang="de-DE" smtClean="0"/>
+              <a:t>11</a:t>
+            </a:fld>
+            <a:endParaRPr lang="de-DE"/>
+          </a:p>
+        </p:txBody>
+      </p:sp>
+    </p:spTree>
+    <p:extLst>
+      <p:ext uri="{BB962C8B-B14F-4D97-AF65-F5344CB8AC3E}">
+        <p14:creationId xmlns:p14="http://schemas.microsoft.com/office/powerpoint/2010/main" val="3303372322"/>
+      </p:ext>
+    </p:extLst>
+  </p:cSld>
+  <p:clrMapOvr>
+    <a:masterClrMapping/>
+  </p:clrMapOvr>
+</p:notes>
+</file>
+
+<file path=ppt/notesSlides/notesSlide11.xml><?xml version="1.0" encoding="utf-8"?>
 <p:notes xmlns:a="http://schemas.openxmlformats.org/drawingml/2006/main" xmlns:r="http://schemas.openxmlformats.org/officeDocument/2006/relationships" xmlns:p="http://schemas.openxmlformats.org/presentationml/2006/main">
   <p:cSld>
     <p:spTree>
@@ -1063,93 +933,6 @@
           <a:bodyPr/>
           <a:lstStyle/>
           <a:p>
-            <a:pPr lvl="1" algn="l"/>
-            <a:r>
-              <a:rPr lang="de-DE" b="0" i="0" dirty="0">
-                <a:effectLst/>
-                <a:latin typeface="system-ui"/>
-              </a:rPr>
-              <a:t>Einschränkungen:</a:t>
-            </a:r>
-          </a:p>
-          <a:p>
-            <a:pPr marL="742950" lvl="1" indent="-285750" algn="l">
-              <a:buFont typeface="Arial" panose="020B0604020202020204" pitchFamily="34" charset="0"/>
-              <a:buChar char="•"/>
-            </a:pPr>
-            <a:r>
-              <a:rPr lang="de-DE" dirty="0">
-                <a:latin typeface="system-ui"/>
-              </a:rPr>
-              <a:t>Keine Erfindung eigener Operatoren möglich (.+)</a:t>
-            </a:r>
-          </a:p>
-          <a:p>
-            <a:pPr marL="742950" lvl="1" indent="-285750" algn="l">
-              <a:buFont typeface="Arial" panose="020B0604020202020204" pitchFamily="34" charset="0"/>
-              <a:buChar char="•"/>
-            </a:pPr>
-            <a:r>
-              <a:rPr lang="de-DE" dirty="0">
-                <a:latin typeface="system-ui"/>
-              </a:rPr>
-              <a:t>Feste Reihenfolge bei mathematischen Berechnungen; a + b * c</a:t>
-            </a:r>
-          </a:p>
-          <a:p>
-            <a:pPr marL="742950" lvl="1" indent="-285750" algn="l">
-              <a:buFont typeface="Arial" panose="020B0604020202020204" pitchFamily="34" charset="0"/>
-              <a:buChar char="•"/>
-            </a:pPr>
-            <a:r>
-              <a:rPr lang="de-DE" dirty="0">
-                <a:latin typeface="system-ui"/>
-              </a:rPr>
-              <a:t>Symmetrie: für z.B. a + b müssen a und b den gleichen oder einen kompatiblen Datentyp haben</a:t>
-            </a:r>
-          </a:p>
-          <a:p>
-            <a:pPr marL="742950" lvl="1" indent="-285750" algn="l">
-              <a:buFont typeface="Arial" panose="020B0604020202020204" pitchFamily="34" charset="0"/>
-              <a:buChar char="•"/>
-            </a:pPr>
-            <a:r>
-              <a:rPr lang="de-DE" b="0" i="0" dirty="0">
-                <a:effectLst/>
-                <a:latin typeface="system-ui"/>
-              </a:rPr>
-              <a:t>In Rust durch Traits aus dem </a:t>
-            </a:r>
-            <a:r>
-              <a:rPr lang="de-DE" b="0" i="0" dirty="0" err="1">
-                <a:effectLst/>
-                <a:latin typeface="system-ui"/>
-              </a:rPr>
-              <a:t>std</a:t>
-            </a:r>
-            <a:r>
-              <a:rPr lang="de-DE" b="0" i="0" dirty="0">
-                <a:effectLst/>
-                <a:latin typeface="system-ui"/>
-              </a:rPr>
-              <a:t>::</a:t>
-            </a:r>
-            <a:r>
-              <a:rPr lang="de-DE" b="0" i="0" dirty="0" err="1">
-                <a:effectLst/>
-                <a:latin typeface="system-ui"/>
-              </a:rPr>
-              <a:t>ops</a:t>
-            </a:r>
-            <a:r>
-              <a:rPr lang="de-DE" b="0" i="0" dirty="0">
-                <a:effectLst/>
-                <a:latin typeface="system-ui"/>
-              </a:rPr>
-              <a:t> Modul implementiert</a:t>
-            </a:r>
-          </a:p>
-          <a:p>
             <a:endParaRPr lang="de-DE" dirty="0"/>
           </a:p>
         </p:txBody>
@@ -1196,7 +979,7 @@
 </p:notes>
 </file>
 
-<file path=ppt/notesSlides/notesSlide11.xml><?xml version="1.0" encoding="utf-8"?>
+<file path=ppt/notesSlides/notesSlide12.xml><?xml version="1.0" encoding="utf-8"?>
 <p:notes xmlns:a="http://schemas.openxmlformats.org/drawingml/2006/main" xmlns:r="http://schemas.openxmlformats.org/officeDocument/2006/relationships" xmlns:p="http://schemas.openxmlformats.org/presentationml/2006/main">
   <p:cSld>
     <p:spTree>
@@ -1304,7 +1087,7 @@
 </p:notes>
 </file>
 
-<file path=ppt/notesSlides/notesSlide12.xml><?xml version="1.0" encoding="utf-8"?>
+<file path=ppt/notesSlides/notesSlide13.xml><?xml version="1.0" encoding="utf-8"?>
 <p:notes xmlns:a="http://schemas.openxmlformats.org/drawingml/2006/main" xmlns:r="http://schemas.openxmlformats.org/officeDocument/2006/relationships" xmlns:p="http://schemas.openxmlformats.org/presentationml/2006/main">
   <p:cSld>
     <p:spTree>
@@ -1412,7 +1195,7 @@
 </p:notes>
 </file>
 
-<file path=ppt/notesSlides/notesSlide13.xml><?xml version="1.0" encoding="utf-8"?>
+<file path=ppt/notesSlides/notesSlide14.xml><?xml version="1.0" encoding="utf-8"?>
 <p:notes xmlns:a="http://schemas.openxmlformats.org/drawingml/2006/main" xmlns:r="http://schemas.openxmlformats.org/officeDocument/2006/relationships" xmlns:p="http://schemas.openxmlformats.org/presentationml/2006/main">
   <p:cSld>
     <p:spTree>
@@ -1564,145 +1347,96 @@
           <a:bodyPr/>
           <a:lstStyle/>
           <a:p>
+            <a:pPr algn="l"/>
+            <a:endParaRPr lang="de-DE" dirty="0"/>
+          </a:p>
+        </p:txBody>
+      </p:sp>
+      <p:sp>
+        <p:nvSpPr>
+          <p:cNvPr id="4" name="Foliennummernplatzhalter 3"/>
+          <p:cNvSpPr>
+            <a:spLocks noGrp="1"/>
+          </p:cNvSpPr>
+          <p:nvPr>
+            <p:ph type="sldNum" sz="quarter" idx="5"/>
+          </p:nvPr>
+        </p:nvSpPr>
+        <p:spPr/>
+        <p:txBody>
+          <a:bodyPr/>
+          <a:lstStyle/>
+          <a:p>
+            <a:fld id="{CA09BE9E-D056-4AE8-8009-0D53EB59714E}" type="slidenum">
+              <a:rPr lang="de-DE" smtClean="0"/>
+              <a:t>2</a:t>
+            </a:fld>
+            <a:endParaRPr lang="de-DE"/>
+          </a:p>
+        </p:txBody>
+      </p:sp>
+    </p:spTree>
+    <p:extLst>
+      <p:ext uri="{BB962C8B-B14F-4D97-AF65-F5344CB8AC3E}">
+        <p14:creationId xmlns:p14="http://schemas.microsoft.com/office/powerpoint/2010/main" val="3024245309"/>
+      </p:ext>
+    </p:extLst>
+  </p:cSld>
+  <p:clrMapOvr>
+    <a:masterClrMapping/>
+  </p:clrMapOvr>
+</p:notes>
+</file>
+
+<file path=ppt/notesSlides/notesSlide3.xml><?xml version="1.0" encoding="utf-8"?>
+<p:notes xmlns:a="http://schemas.openxmlformats.org/drawingml/2006/main" xmlns:r="http://schemas.openxmlformats.org/officeDocument/2006/relationships" xmlns:p="http://schemas.openxmlformats.org/presentationml/2006/main">
+  <p:cSld>
+    <p:spTree>
+      <p:nvGrpSpPr>
+        <p:cNvPr id="1" name=""/>
+        <p:cNvGrpSpPr/>
+        <p:nvPr/>
+      </p:nvGrpSpPr>
+      <p:grpSpPr>
+        <a:xfrm>
+          <a:off x="0" y="0"/>
+          <a:ext cx="0" cy="0"/>
+          <a:chOff x="0" y="0"/>
+          <a:chExt cx="0" cy="0"/>
+        </a:xfrm>
+      </p:grpSpPr>
+      <p:sp>
+        <p:nvSpPr>
+          <p:cNvPr id="2" name="Folienbildplatzhalter 1"/>
+          <p:cNvSpPr>
+            <a:spLocks noGrp="1" noRot="1" noChangeAspect="1"/>
+          </p:cNvSpPr>
+          <p:nvPr>
+            <p:ph type="sldImg"/>
+          </p:nvPr>
+        </p:nvSpPr>
+        <p:spPr/>
+      </p:sp>
+      <p:sp>
+        <p:nvSpPr>
+          <p:cNvPr id="3" name="Notizenplatzhalter 2"/>
+          <p:cNvSpPr>
+            <a:spLocks noGrp="1"/>
+          </p:cNvSpPr>
+          <p:nvPr>
+            <p:ph type="body" idx="1"/>
+          </p:nvPr>
+        </p:nvSpPr>
+        <p:spPr/>
+        <p:txBody>
+          <a:bodyPr/>
+          <a:lstStyle/>
+          <a:p>
             <a:pPr algn="l">
               <a:buFont typeface="Arial" panose="020B0604020202020204" pitchFamily="34" charset="0"/>
               <a:buChar char="•"/>
             </a:pPr>
-            <a:r>
-              <a:rPr lang="de-DE" b="0" i="0" dirty="0">
-                <a:effectLst/>
-                <a:latin typeface="system-ui"/>
-              </a:rPr>
-              <a:t>Ermöglicht die Implementierung von DSL-Syntax</a:t>
-            </a:r>
-          </a:p>
-          <a:p>
-            <a:pPr algn="l">
-              <a:buFont typeface="Arial" panose="020B0604020202020204" pitchFamily="34" charset="0"/>
-              <a:buChar char="•"/>
-            </a:pPr>
-            <a:r>
-              <a:rPr lang="de-DE" dirty="0">
-                <a:latin typeface="system-ui"/>
-              </a:rPr>
-              <a:t>Ermöglicht </a:t>
-            </a:r>
-            <a:r>
-              <a:rPr lang="de-DE" dirty="0" err="1">
-                <a:latin typeface="system-ui"/>
-              </a:rPr>
-              <a:t>C</a:t>
-            </a:r>
-            <a:r>
-              <a:rPr lang="de-DE" b="0" i="0" dirty="0" err="1">
-                <a:effectLst/>
-                <a:latin typeface="system-ui"/>
-              </a:rPr>
-              <a:t>ompile</a:t>
-            </a:r>
-            <a:r>
-              <a:rPr lang="de-DE" b="0" i="0" dirty="0">
-                <a:effectLst/>
-                <a:latin typeface="system-ui"/>
-              </a:rPr>
-              <a:t>-time Code-Generierung</a:t>
-            </a:r>
-          </a:p>
-          <a:p>
-            <a:pPr algn="l">
-              <a:buFont typeface="Arial" panose="020B0604020202020204" pitchFamily="34" charset="0"/>
-              <a:buChar char="•"/>
-            </a:pPr>
-            <a:r>
-              <a:rPr lang="de-DE" dirty="0">
-                <a:latin typeface="system-ui"/>
-              </a:rPr>
-              <a:t>Funktioniert durch Pattern </a:t>
-            </a:r>
-            <a:r>
-              <a:rPr lang="de-DE" dirty="0" err="1">
-                <a:latin typeface="system-ui"/>
-              </a:rPr>
-              <a:t>matching</a:t>
-            </a:r>
-            <a:r>
-              <a:rPr lang="de-DE" dirty="0">
-                <a:latin typeface="system-ui"/>
-              </a:rPr>
-              <a:t> System</a:t>
-            </a:r>
-          </a:p>
-          <a:p>
-            <a:pPr algn="l">
-              <a:buFont typeface="Arial" panose="020B0604020202020204" pitchFamily="34" charset="0"/>
-              <a:buChar char="•"/>
-            </a:pPr>
-            <a:endParaRPr lang="de-DE" b="0" i="0" dirty="0">
-              <a:effectLst/>
-              <a:latin typeface="system-ui"/>
-            </a:endParaRPr>
-          </a:p>
-          <a:p>
-            <a:pPr algn="l">
-              <a:buFont typeface="Arial" panose="020B0604020202020204" pitchFamily="34" charset="0"/>
-              <a:buChar char="•"/>
-            </a:pPr>
-            <a:r>
-              <a:rPr lang="de-DE" b="0" i="0" dirty="0">
-                <a:effectLst/>
-                <a:latin typeface="system-ui"/>
-              </a:rPr>
-              <a:t>Input wird in Token-Stream zerlegt</a:t>
-            </a:r>
-          </a:p>
-          <a:p>
-            <a:pPr algn="l">
-              <a:buFont typeface="Arial" panose="020B0604020202020204" pitchFamily="34" charset="0"/>
-              <a:buChar char="•"/>
-            </a:pPr>
-            <a:r>
-              <a:rPr lang="de-DE" b="0" i="0" dirty="0">
-                <a:effectLst/>
-                <a:latin typeface="system-ui"/>
-              </a:rPr>
-              <a:t>Match Stream gegen definierte Muster</a:t>
-            </a:r>
-          </a:p>
-          <a:p>
-            <a:pPr algn="l">
-              <a:buFont typeface="Arial" panose="020B0604020202020204" pitchFamily="34" charset="0"/>
-              <a:buChar char="•"/>
-            </a:pPr>
-            <a:r>
-              <a:rPr lang="de-DE" b="0" i="0" dirty="0">
-                <a:effectLst/>
-                <a:latin typeface="system-ui"/>
-              </a:rPr>
-              <a:t>Code bei match ausführen</a:t>
-            </a:r>
-          </a:p>
-          <a:p>
             <a:endParaRPr lang="de-DE" dirty="0"/>
-          </a:p>
-          <a:p>
-            <a:r>
-              <a:rPr lang="de-DE" dirty="0"/>
-              <a:t>Jetzt haben wir die Makros gebaut und schauen uns mal an</a:t>
-            </a:r>
-          </a:p>
-          <a:p>
-            <a:r>
-              <a:rPr lang="de-DE" dirty="0"/>
-              <a:t>wie die Syntax dazu ist, die wir über unsere Makros für die </a:t>
-            </a:r>
-            <a:r>
-              <a:rPr lang="de-DE" dirty="0" err="1"/>
-              <a:t>eDSL</a:t>
-            </a:r>
-            <a:r>
-              <a:rPr lang="de-DE" dirty="0"/>
-              <a:t> ermöglichen</a:t>
-            </a:r>
           </a:p>
         </p:txBody>
       </p:sp>
@@ -1742,7 +1476,7 @@
 </p:notes>
 </file>
 
-<file path=ppt/notesSlides/notesSlide3.xml><?xml version="1.0" encoding="utf-8"?>
+<file path=ppt/notesSlides/notesSlide4.xml><?xml version="1.0" encoding="utf-8"?>
 <p:notes xmlns:a="http://schemas.openxmlformats.org/drawingml/2006/main" xmlns:r="http://schemas.openxmlformats.org/officeDocument/2006/relationships" xmlns:p="http://schemas.openxmlformats.org/presentationml/2006/main">
   <p:cSld>
     <p:spTree>
@@ -1804,145 +1538,7 @@
           <a:bodyPr/>
           <a:lstStyle/>
           <a:p>
-            <a:r>
-              <a:rPr lang="de-DE" dirty="0"/>
-              <a:t>Hier ein </a:t>
-            </a:r>
-            <a:r>
-              <a:rPr lang="de-DE" dirty="0" err="1"/>
-              <a:t>Ausschnit</a:t>
-            </a:r>
-            <a:r>
-              <a:rPr lang="de-DE" dirty="0"/>
-              <a:t> des </a:t>
-            </a:r>
-            <a:r>
-              <a:rPr lang="de-DE" dirty="0" err="1"/>
-              <a:t>math_expr</a:t>
-            </a:r>
-            <a:r>
-              <a:rPr lang="de-DE" dirty="0"/>
-              <a:t> Makros, um das </a:t>
-            </a:r>
-            <a:r>
-              <a:rPr lang="de-DE" dirty="0" err="1"/>
-              <a:t>pattern</a:t>
-            </a:r>
-            <a:r>
-              <a:rPr lang="de-DE" dirty="0"/>
-              <a:t> </a:t>
-            </a:r>
-            <a:r>
-              <a:rPr lang="de-DE" dirty="0" err="1"/>
-              <a:t>matching</a:t>
-            </a:r>
-            <a:r>
-              <a:rPr lang="de-DE" dirty="0"/>
-              <a:t> zu verdeutlichen</a:t>
-            </a:r>
-          </a:p>
-          <a:p>
-            <a:pPr marL="0" marR="0" lvl="0" indent="0" algn="l" defTabSz="914400" rtl="0" eaLnBrk="1" fontAlgn="auto" latinLnBrk="0" hangingPunct="1">
-              <a:lnSpc>
-                <a:spcPct val="100000"/>
-              </a:lnSpc>
-              <a:spcBef>
-                <a:spcPts val="0"/>
-              </a:spcBef>
-              <a:spcAft>
-                <a:spcPts val="0"/>
-              </a:spcAft>
-              <a:buClrTx/>
-              <a:buSzTx/>
-              <a:buFontTx/>
-              <a:buNone/>
-              <a:tabLst/>
-              <a:defRPr/>
-            </a:pPr>
             <a:endParaRPr lang="de-DE" dirty="0"/>
-          </a:p>
-          <a:p>
-            <a:r>
-              <a:rPr lang="de-DE" dirty="0"/>
-              <a:t>1. Entfernt überflüssige äußere Klammern, rekursiver Aufruf mit dem inneren Inhalt</a:t>
-            </a:r>
-          </a:p>
-          <a:p>
-            <a:r>
-              <a:rPr lang="de-DE" dirty="0"/>
-              <a:t>(</a:t>
-            </a:r>
-            <a:r>
-              <a:rPr lang="de-DE" dirty="0" err="1"/>
-              <a:t>tt</a:t>
-            </a:r>
-            <a:r>
-              <a:rPr lang="de-DE" dirty="0"/>
-              <a:t> = </a:t>
-            </a:r>
-            <a:r>
-              <a:rPr lang="de-DE" dirty="0" err="1"/>
-              <a:t>token</a:t>
-            </a:r>
-            <a:r>
-              <a:rPr lang="de-DE" dirty="0"/>
-              <a:t> </a:t>
-            </a:r>
-            <a:r>
-              <a:rPr lang="de-DE" dirty="0" err="1"/>
-              <a:t>tree</a:t>
-            </a:r>
-            <a:r>
-              <a:rPr lang="de-DE" dirty="0"/>
-              <a:t>)</a:t>
-            </a:r>
-          </a:p>
-          <a:p>
-            <a:endParaRPr lang="de-DE" dirty="0"/>
-          </a:p>
-          <a:p>
-            <a:r>
-              <a:rPr lang="de-DE" dirty="0"/>
-              <a:t>2. Verarbeitet numerische Literale (literale kein Ausdruck, deshalb kein </a:t>
-            </a:r>
-            <a:r>
-              <a:rPr lang="de-DE" dirty="0" err="1"/>
-              <a:t>tt</a:t>
-            </a:r>
-            <a:r>
-              <a:rPr lang="de-DE" dirty="0"/>
-              <a:t>)</a:t>
-            </a:r>
-          </a:p>
-          <a:p>
-            <a:endParaRPr lang="de-DE" dirty="0"/>
-          </a:p>
-          <a:p>
-            <a:r>
-              <a:rPr lang="de-DE" dirty="0"/>
-              <a:t>3. Erkennt die Variable x</a:t>
-            </a:r>
-          </a:p>
-          <a:p>
-            <a:endParaRPr lang="de-DE" dirty="0"/>
-          </a:p>
-          <a:p>
-            <a:r>
-              <a:rPr lang="de-DE" dirty="0"/>
-              <a:t>4. Erkennt das +</a:t>
-            </a:r>
-          </a:p>
-          <a:p>
-            <a:r>
-              <a:rPr lang="de-DE" dirty="0"/>
-              <a:t>Parsen von linkem und rechtem Operant</a:t>
-            </a:r>
-          </a:p>
-          <a:p>
-            <a:r>
-              <a:rPr lang="de-DE" dirty="0"/>
-              <a:t>Durch Rekursion verschachtelte Ausdrücke möglich</a:t>
-            </a:r>
           </a:p>
         </p:txBody>
       </p:sp>
@@ -1988,7 +1584,7 @@
 </p:notes>
 </file>
 
-<file path=ppt/notesSlides/notesSlide4.xml><?xml version="1.0" encoding="utf-8"?>
+<file path=ppt/notesSlides/notesSlide5.xml><?xml version="1.0" encoding="utf-8"?>
 <p:notes xmlns:a="http://schemas.openxmlformats.org/drawingml/2006/main" xmlns:r="http://schemas.openxmlformats.org/officeDocument/2006/relationships" xmlns:p="http://schemas.openxmlformats.org/presentationml/2006/main">
   <p:cSld>
     <p:spTree>
@@ -2050,109 +1646,6 @@
           <a:bodyPr/>
           <a:lstStyle/>
           <a:p>
-            <a:pPr algn="l"/>
-            <a:r>
-              <a:rPr lang="de-DE" sz="1200" b="0" i="0" dirty="0">
-                <a:effectLst/>
-                <a:latin typeface="system-ui"/>
-              </a:rPr>
-              <a:t>Pro</a:t>
-            </a:r>
-            <a:r>
-              <a:rPr lang="de-DE" sz="1200" dirty="0">
-                <a:latin typeface="system-ui"/>
-              </a:rPr>
-              <a:t>zedurale Makros:</a:t>
-            </a:r>
-          </a:p>
-          <a:p>
-            <a:pPr algn="l"/>
-            <a:endParaRPr lang="de-DE" sz="1200" dirty="0">
-              <a:latin typeface="system-ui"/>
-            </a:endParaRPr>
-          </a:p>
-          <a:p>
-            <a:pPr algn="l">
-              <a:buFont typeface="Arial" panose="020B0604020202020204" pitchFamily="34" charset="0"/>
-              <a:buChar char="•"/>
-            </a:pPr>
-            <a:r>
-              <a:rPr lang="de-DE" sz="1200" b="0" i="0" dirty="0">
-                <a:effectLst/>
-                <a:latin typeface="system-ui"/>
-              </a:rPr>
-              <a:t>Können Code umschreiben, bevor der Compiler ihn liest</a:t>
-            </a:r>
-          </a:p>
-          <a:p>
-            <a:pPr algn="l">
-              <a:buFont typeface="Arial" panose="020B0604020202020204" pitchFamily="34" charset="0"/>
-              <a:buChar char="•"/>
-            </a:pPr>
-            <a:r>
-              <a:rPr lang="de-DE" sz="1200" dirty="0">
-                <a:latin typeface="system-ui"/>
-              </a:rPr>
-              <a:t>Werden bei komplexen Code-Generierungen sowie Frameworks benötigt</a:t>
-            </a:r>
-          </a:p>
-          <a:p>
-            <a:pPr algn="l">
-              <a:buFont typeface="Arial" panose="020B0604020202020204" pitchFamily="34" charset="0"/>
-              <a:buChar char="•"/>
-            </a:pPr>
-            <a:endParaRPr lang="de-DE" sz="1200" dirty="0">
-              <a:latin typeface="system-ui"/>
-            </a:endParaRPr>
-          </a:p>
-          <a:p>
-            <a:pPr algn="l">
-              <a:buFont typeface="Arial" panose="020B0604020202020204" pitchFamily="34" charset="0"/>
-              <a:buChar char="•"/>
-            </a:pPr>
-            <a:r>
-              <a:rPr lang="de-DE" sz="1200" b="0" i="0" dirty="0" err="1">
-                <a:effectLst/>
-                <a:latin typeface="system-ui"/>
-              </a:rPr>
-              <a:t>Math_expr</a:t>
-            </a:r>
-            <a:r>
-              <a:rPr lang="de-DE" sz="1200" b="0" i="0" dirty="0">
-                <a:effectLst/>
-                <a:latin typeface="system-ui"/>
-              </a:rPr>
-              <a:t>!(a + b + c); könnte durch Prozedurale Makros </a:t>
-            </a:r>
-            <a:r>
-              <a:rPr lang="de-DE" sz="1200" b="0" i="0" dirty="0" err="1">
-                <a:effectLst/>
-                <a:latin typeface="system-ui"/>
-              </a:rPr>
-              <a:t>ermölicht</a:t>
-            </a:r>
-            <a:r>
-              <a:rPr lang="de-DE" sz="1200" b="0" i="0" dirty="0">
-                <a:effectLst/>
-                <a:latin typeface="system-ui"/>
-              </a:rPr>
-              <a:t> werden</a:t>
-            </a:r>
-          </a:p>
-          <a:p>
-            <a:pPr algn="l">
-              <a:buFont typeface="Arial" panose="020B0604020202020204" pitchFamily="34" charset="0"/>
-              <a:buChar char="•"/>
-            </a:pPr>
-            <a:r>
-              <a:rPr lang="de-DE" sz="1200" b="0" i="0" dirty="0">
-                <a:effectLst/>
-                <a:latin typeface="system-ui"/>
-              </a:rPr>
-              <a:t>Jedoch haben wir uns in der gegebenen Zeit damit nicht genügend damit auseinandergesetzt, um dies fehlerfrei zu implementieren</a:t>
-            </a:r>
-          </a:p>
-          <a:p>
             <a:pPr algn="l">
               <a:buFont typeface="Arial" panose="020B0604020202020204" pitchFamily="34" charset="0"/>
               <a:buChar char="•"/>
@@ -2203,7 +1696,7 @@
 </p:notes>
 </file>
 
-<file path=ppt/notesSlides/notesSlide5.xml><?xml version="1.0" encoding="utf-8"?>
+<file path=ppt/notesSlides/notesSlide6.xml><?xml version="1.0" encoding="utf-8"?>
 <p:notes xmlns:a="http://schemas.openxmlformats.org/drawingml/2006/main" xmlns:r="http://schemas.openxmlformats.org/officeDocument/2006/relationships" xmlns:p="http://schemas.openxmlformats.org/presentationml/2006/main">
   <p:cSld>
     <p:spTree>
@@ -2247,25 +1740,7 @@
           <a:bodyPr/>
           <a:lstStyle/>
           <a:p>
-            <a:r>
-              <a:rPr lang="de-DE" dirty="0"/>
-              <a:t>Typen nicht explizit angeben</a:t>
-            </a:r>
-          </a:p>
-          <a:p>
-            <a:r>
-              <a:rPr lang="de-DE" dirty="0"/>
-              <a:t>Rust Compiler weiß automatisch welche Datentypen man meint, ohne es jedes Mal hinschreiben zu müssen</a:t>
-            </a:r>
-          </a:p>
-          <a:p>
             <a:endParaRPr lang="de-DE" dirty="0"/>
-          </a:p>
-          <a:p>
-            <a:r>
-              <a:rPr lang="de-DE" dirty="0"/>
-              <a:t>Einfacher zu ändern, da sich vieles automatisch anpasst</a:t>
-            </a:r>
           </a:p>
         </p:txBody>
       </p:sp>
@@ -2305,7 +1780,7 @@
 </p:notes>
 </file>
 
-<file path=ppt/notesSlides/notesSlide6.xml><?xml version="1.0" encoding="utf-8"?>
+<file path=ppt/notesSlides/notesSlide7.xml><?xml version="1.0" encoding="utf-8"?>
 <p:notes xmlns:a="http://schemas.openxmlformats.org/drawingml/2006/main" xmlns:r="http://schemas.openxmlformats.org/officeDocument/2006/relationships" xmlns:p="http://schemas.openxmlformats.org/presentationml/2006/main">
   <p:cSld>
     <p:spTree>
@@ -2367,71 +1842,7 @@
           <a:bodyPr/>
           <a:lstStyle/>
           <a:p>
-            <a:r>
-              <a:rPr lang="de-DE" dirty="0"/>
-              <a:t>Num als f64 definiert</a:t>
-            </a:r>
-          </a:p>
-          <a:p>
             <a:endParaRPr lang="de-DE" dirty="0"/>
-          </a:p>
-          <a:p>
-            <a:endParaRPr lang="de-DE" dirty="0"/>
-          </a:p>
-          <a:p>
-            <a:r>
-              <a:rPr lang="de-DE" dirty="0"/>
-              <a:t>Durch unsere Makros werden unsere Typen </a:t>
-            </a:r>
-            <a:r>
-              <a:rPr lang="de-DE" dirty="0" err="1"/>
-              <a:t>inferriert</a:t>
-            </a:r>
-            <a:endParaRPr lang="de-DE" dirty="0"/>
-          </a:p>
-          <a:p>
-            <a:r>
-              <a:rPr lang="de-DE" dirty="0" err="1"/>
-              <a:t>z.b.</a:t>
-            </a:r>
-            <a:r>
-              <a:rPr lang="de-DE" dirty="0"/>
-              <a:t> über </a:t>
-            </a:r>
-            <a:r>
-              <a:rPr lang="de-DE" dirty="0" err="1"/>
-              <a:t>pattern</a:t>
-            </a:r>
-            <a:r>
-              <a:rPr lang="de-DE" dirty="0"/>
-              <a:t> </a:t>
-            </a:r>
-            <a:r>
-              <a:rPr lang="de-DE" dirty="0" err="1"/>
-              <a:t>matching</a:t>
-            </a:r>
-            <a:r>
-              <a:rPr lang="de-DE" dirty="0"/>
-              <a:t>: literal -&gt; typ literal gefunden</a:t>
-            </a:r>
-          </a:p>
-          <a:p>
-            <a:r>
-              <a:rPr lang="de-DE" dirty="0" err="1"/>
-              <a:t>num</a:t>
-            </a:r>
-            <a:r>
-              <a:rPr lang="de-DE" dirty="0"/>
-              <a:t>: als </a:t>
-            </a:r>
-            <a:r>
-              <a:rPr lang="de-DE" dirty="0" err="1"/>
-              <a:t>float</a:t>
-            </a:r>
-            <a:r>
-              <a:rPr lang="de-DE" dirty="0"/>
-              <a:t> definiert</a:t>
-            </a:r>
           </a:p>
         </p:txBody>
       </p:sp>
@@ -2477,7 +1888,7 @@
 </p:notes>
 </file>
 
-<file path=ppt/notesSlides/notesSlide7.xml><?xml version="1.0" encoding="utf-8"?>
+<file path=ppt/notesSlides/notesSlide8.xml><?xml version="1.0" encoding="utf-8"?>
 <p:notes xmlns:a="http://schemas.openxmlformats.org/drawingml/2006/main" xmlns:r="http://schemas.openxmlformats.org/officeDocument/2006/relationships" xmlns:p="http://schemas.openxmlformats.org/presentationml/2006/main">
   <p:cSld>
     <p:spTree>
@@ -2539,19 +1950,7 @@
           <a:bodyPr/>
           <a:lstStyle/>
           <a:p>
-            <a:r>
-              <a:rPr lang="de-DE" dirty="0"/>
-              <a:t>Meistens kann der Compiler den Typ erkennen, jedoch bei manchen komplizierten Fällen ist es nicht eindeutig.</a:t>
-            </a:r>
-          </a:p>
-          <a:p>
             <a:endParaRPr lang="de-DE" dirty="0"/>
-          </a:p>
-          <a:p>
-            <a:r>
-              <a:rPr lang="de-DE" dirty="0"/>
-              <a:t>Außerdem müssen bei Funktionen immer explizit die Typen angegeben werden.</a:t>
-            </a:r>
           </a:p>
         </p:txBody>
       </p:sp>
@@ -2597,7 +1996,7 @@
 </p:notes>
 </file>
 
-<file path=ppt/notesSlides/notesSlide8.xml><?xml version="1.0" encoding="utf-8"?>
+<file path=ppt/notesSlides/notesSlide9.xml><?xml version="1.0" encoding="utf-8"?>
 <p:notes xmlns:a="http://schemas.openxmlformats.org/drawingml/2006/main" xmlns:r="http://schemas.openxmlformats.org/officeDocument/2006/relationships" xmlns:p="http://schemas.openxmlformats.org/presentationml/2006/main">
   <p:cSld>
     <p:spTree>
@@ -2696,13 +2095,8 @@
           <a:p>
             <a:r>
               <a:rPr lang="de-DE" dirty="0"/>
-              <a:t>Weiter </a:t>
-            </a:r>
-            <a:r>
-              <a:rPr lang="de-DE"/>
-              <a:t>zu Beispiel</a:t>
-            </a:r>
-            <a:endParaRPr lang="de-DE" dirty="0"/>
+              <a:t>Weiter zu Beispiel</a:t>
+            </a:r>
           </a:p>
         </p:txBody>
       </p:sp>
@@ -2733,114 +2127,6 @@
     <p:extLst>
       <p:ext uri="{BB962C8B-B14F-4D97-AF65-F5344CB8AC3E}">
         <p14:creationId xmlns:p14="http://schemas.microsoft.com/office/powerpoint/2010/main" val="3929538403"/>
-      </p:ext>
-    </p:extLst>
-  </p:cSld>
-  <p:clrMapOvr>
-    <a:masterClrMapping/>
-  </p:clrMapOvr>
-</p:notes>
-</file>
-
-<file path=ppt/notesSlides/notesSlide9.xml><?xml version="1.0" encoding="utf-8"?>
-<p:notes xmlns:a="http://schemas.openxmlformats.org/drawingml/2006/main" xmlns:r="http://schemas.openxmlformats.org/officeDocument/2006/relationships" xmlns:p="http://schemas.openxmlformats.org/presentationml/2006/main">
-  <p:cSld>
-    <p:spTree>
-      <p:nvGrpSpPr>
-        <p:cNvPr id="1" name="">
-          <a:extLst>
-            <a:ext uri="{FF2B5EF4-FFF2-40B4-BE49-F238E27FC236}">
-              <a16:creationId xmlns:a16="http://schemas.microsoft.com/office/drawing/2014/main" id="{FC25D583-B9FB-8BA9-A038-4741801ECF51}"/>
-            </a:ext>
-          </a:extLst>
-        </p:cNvPr>
-        <p:cNvGrpSpPr/>
-        <p:nvPr/>
-      </p:nvGrpSpPr>
-      <p:grpSpPr>
-        <a:xfrm>
-          <a:off x="0" y="0"/>
-          <a:ext cx="0" cy="0"/>
-          <a:chOff x="0" y="0"/>
-          <a:chExt cx="0" cy="0"/>
-        </a:xfrm>
-      </p:grpSpPr>
-      <p:sp>
-        <p:nvSpPr>
-          <p:cNvPr id="2" name="Folienbildplatzhalter 1">
-            <a:extLst>
-              <a:ext uri="{FF2B5EF4-FFF2-40B4-BE49-F238E27FC236}">
-                <a16:creationId xmlns:a16="http://schemas.microsoft.com/office/drawing/2014/main" id="{0A31BC34-FA40-2374-EC69-FA6641D51999}"/>
-              </a:ext>
-            </a:extLst>
-          </p:cNvPr>
-          <p:cNvSpPr>
-            <a:spLocks noGrp="1" noRot="1" noChangeAspect="1"/>
-          </p:cNvSpPr>
-          <p:nvPr>
-            <p:ph type="sldImg"/>
-          </p:nvPr>
-        </p:nvSpPr>
-        <p:spPr/>
-      </p:sp>
-      <p:sp>
-        <p:nvSpPr>
-          <p:cNvPr id="3" name="Notizenplatzhalter 2">
-            <a:extLst>
-              <a:ext uri="{FF2B5EF4-FFF2-40B4-BE49-F238E27FC236}">
-                <a16:creationId xmlns:a16="http://schemas.microsoft.com/office/drawing/2014/main" id="{D2A646AB-6B83-F62E-1791-FFC84FD0B724}"/>
-              </a:ext>
-            </a:extLst>
-          </p:cNvPr>
-          <p:cNvSpPr>
-            <a:spLocks noGrp="1"/>
-          </p:cNvSpPr>
-          <p:nvPr>
-            <p:ph type="body" idx="1"/>
-          </p:nvPr>
-        </p:nvSpPr>
-        <p:spPr/>
-        <p:txBody>
-          <a:bodyPr/>
-          <a:lstStyle/>
-          <a:p>
-            <a:endParaRPr lang="de-DE" dirty="0"/>
-          </a:p>
-        </p:txBody>
-      </p:sp>
-      <p:sp>
-        <p:nvSpPr>
-          <p:cNvPr id="4" name="Foliennummernplatzhalter 3">
-            <a:extLst>
-              <a:ext uri="{FF2B5EF4-FFF2-40B4-BE49-F238E27FC236}">
-                <a16:creationId xmlns:a16="http://schemas.microsoft.com/office/drawing/2014/main" id="{5F4445B7-F163-A5D1-53B6-65602F08711C}"/>
-              </a:ext>
-            </a:extLst>
-          </p:cNvPr>
-          <p:cNvSpPr>
-            <a:spLocks noGrp="1"/>
-          </p:cNvSpPr>
-          <p:nvPr>
-            <p:ph type="sldNum" sz="quarter" idx="5"/>
-          </p:nvPr>
-        </p:nvSpPr>
-        <p:spPr/>
-        <p:txBody>
-          <a:bodyPr/>
-          <a:lstStyle/>
-          <a:p>
-            <a:fld id="{CA09BE9E-D056-4AE8-8009-0D53EB59714E}" type="slidenum">
-              <a:rPr lang="de-DE" smtClean="0"/>
-              <a:t>11</a:t>
-            </a:fld>
-            <a:endParaRPr lang="de-DE"/>
-          </a:p>
-        </p:txBody>
-      </p:sp>
-    </p:spTree>
-    <p:extLst>
-      <p:ext uri="{BB962C8B-B14F-4D97-AF65-F5344CB8AC3E}">
-        <p14:creationId xmlns:p14="http://schemas.microsoft.com/office/powerpoint/2010/main" val="3303372322"/>
       </p:ext>
     </p:extLst>
   </p:cSld>
@@ -5789,7 +5075,7 @@
           <p:nvPr/>
         </p:nvPicPr>
         <p:blipFill>
-          <a:blip r:embed="rId2">
+          <a:blip r:embed="rId3">
             <a:extLst>
               <a:ext uri="{28A0092B-C50C-407E-A947-70E740481C1C}">
                 <a14:useLocalDpi xmlns:a14="http://schemas.microsoft.com/office/drawing/2010/main" val="0"/>
